--- a/Курсовая/Презентация.pptx
+++ b/Курсовая/Презентация.pptx
@@ -321,7 +321,8 @@
           <a:p>
             <a:fld id="{254E287A-B980-4B71-860B-C34B5D2188CD}" type="datetimeFigureOut">
               <a:rPr lang="ru-RU" smtClean="0"/>
-              <a:t>19.06.2020</a:t>
+              <a:pPr/>
+              <a:t>22.06.2020</a:t>
             </a:fld>
             <a:endParaRPr lang="ru-RU"/>
           </a:p>
@@ -360,6 +361,7 @@
           <a:p>
             <a:fld id="{B53B4CA9-A027-44DB-915C-48B21997DF01}" type="slidenum">
               <a:rPr lang="ru-RU" smtClean="0"/>
+              <a:pPr/>
               <a:t>‹#›</a:t>
             </a:fld>
             <a:endParaRPr lang="ru-RU"/>
@@ -515,7 +517,8 @@
           <a:p>
             <a:fld id="{254E287A-B980-4B71-860B-C34B5D2188CD}" type="datetimeFigureOut">
               <a:rPr lang="ru-RU" smtClean="0"/>
-              <a:t>19.06.2020</a:t>
+              <a:pPr/>
+              <a:t>22.06.2020</a:t>
             </a:fld>
             <a:endParaRPr lang="ru-RU"/>
           </a:p>
@@ -561,6 +564,7 @@
           <a:p>
             <a:fld id="{B53B4CA9-A027-44DB-915C-48B21997DF01}" type="slidenum">
               <a:rPr lang="ru-RU" smtClean="0"/>
+              <a:pPr/>
               <a:t>‹#›</a:t>
             </a:fld>
             <a:endParaRPr lang="ru-RU"/>
@@ -703,7 +707,8 @@
           <a:p>
             <a:fld id="{254E287A-B980-4B71-860B-C34B5D2188CD}" type="datetimeFigureOut">
               <a:rPr lang="ru-RU" smtClean="0"/>
-              <a:t>19.06.2020</a:t>
+              <a:pPr/>
+              <a:t>22.06.2020</a:t>
             </a:fld>
             <a:endParaRPr lang="ru-RU"/>
           </a:p>
@@ -749,6 +754,7 @@
           <a:p>
             <a:fld id="{B53B4CA9-A027-44DB-915C-48B21997DF01}" type="slidenum">
               <a:rPr lang="ru-RU" smtClean="0"/>
+              <a:pPr/>
               <a:t>‹#›</a:t>
             </a:fld>
             <a:endParaRPr lang="ru-RU"/>
@@ -932,7 +938,8 @@
           <a:p>
             <a:fld id="{254E287A-B980-4B71-860B-C34B5D2188CD}" type="datetimeFigureOut">
               <a:rPr lang="ru-RU" smtClean="0"/>
-              <a:t>19.06.2020</a:t>
+              <a:pPr/>
+              <a:t>22.06.2020</a:t>
             </a:fld>
             <a:endParaRPr lang="ru-RU"/>
           </a:p>
@@ -978,6 +985,7 @@
           <a:p>
             <a:fld id="{B53B4CA9-A027-44DB-915C-48B21997DF01}" type="slidenum">
               <a:rPr lang="ru-RU" smtClean="0"/>
+              <a:pPr/>
               <a:t>‹#›</a:t>
             </a:fld>
             <a:endParaRPr lang="ru-RU"/>
@@ -1213,7 +1221,8 @@
           <a:p>
             <a:fld id="{254E287A-B980-4B71-860B-C34B5D2188CD}" type="datetimeFigureOut">
               <a:rPr lang="ru-RU" smtClean="0"/>
-              <a:t>19.06.2020</a:t>
+              <a:pPr/>
+              <a:t>22.06.2020</a:t>
             </a:fld>
             <a:endParaRPr lang="ru-RU"/>
           </a:p>
@@ -1252,6 +1261,7 @@
           <a:p>
             <a:fld id="{B53B4CA9-A027-44DB-915C-48B21997DF01}" type="slidenum">
               <a:rPr lang="ru-RU" smtClean="0"/>
+              <a:pPr/>
               <a:t>‹#›</a:t>
             </a:fld>
             <a:endParaRPr lang="ru-RU"/>
@@ -1501,7 +1511,8 @@
           <a:p>
             <a:fld id="{254E287A-B980-4B71-860B-C34B5D2188CD}" type="datetimeFigureOut">
               <a:rPr lang="ru-RU" smtClean="0"/>
-              <a:t>19.06.2020</a:t>
+              <a:pPr/>
+              <a:t>22.06.2020</a:t>
             </a:fld>
             <a:endParaRPr lang="ru-RU"/>
           </a:p>
@@ -1552,6 +1563,7 @@
           <a:p>
             <a:fld id="{B53B4CA9-A027-44DB-915C-48B21997DF01}" type="slidenum">
               <a:rPr lang="ru-RU" smtClean="0"/>
+              <a:pPr/>
               <a:t>‹#›</a:t>
             </a:fld>
             <a:endParaRPr lang="ru-RU"/>
@@ -2055,7 +2067,8 @@
           <a:p>
             <a:fld id="{254E287A-B980-4B71-860B-C34B5D2188CD}" type="datetimeFigureOut">
               <a:rPr lang="ru-RU" smtClean="0"/>
-              <a:t>19.06.2020</a:t>
+              <a:pPr/>
+              <a:t>22.06.2020</a:t>
             </a:fld>
             <a:endParaRPr lang="ru-RU"/>
           </a:p>
@@ -2106,6 +2119,7 @@
           <a:p>
             <a:fld id="{B53B4CA9-A027-44DB-915C-48B21997DF01}" type="slidenum">
               <a:rPr lang="ru-RU" smtClean="0"/>
+              <a:pPr/>
               <a:t>‹#›</a:t>
             </a:fld>
             <a:endParaRPr lang="ru-RU"/>
@@ -2186,7 +2200,8 @@
           <a:p>
             <a:fld id="{254E287A-B980-4B71-860B-C34B5D2188CD}" type="datetimeFigureOut">
               <a:rPr lang="ru-RU" smtClean="0"/>
-              <a:t>19.06.2020</a:t>
+              <a:pPr/>
+              <a:t>22.06.2020</a:t>
             </a:fld>
             <a:endParaRPr lang="ru-RU"/>
           </a:p>
@@ -2232,6 +2247,7 @@
           <a:p>
             <a:fld id="{B53B4CA9-A027-44DB-915C-48B21997DF01}" type="slidenum">
               <a:rPr lang="ru-RU" smtClean="0"/>
+              <a:pPr/>
               <a:t>‹#›</a:t>
             </a:fld>
             <a:endParaRPr lang="ru-RU"/>
@@ -2336,7 +2352,8 @@
           <a:p>
             <a:fld id="{254E287A-B980-4B71-860B-C34B5D2188CD}" type="datetimeFigureOut">
               <a:rPr lang="ru-RU" smtClean="0"/>
-              <a:t>19.06.2020</a:t>
+              <a:pPr/>
+              <a:t>22.06.2020</a:t>
             </a:fld>
             <a:endParaRPr lang="ru-RU"/>
           </a:p>
@@ -2382,6 +2399,7 @@
           <a:p>
             <a:fld id="{B53B4CA9-A027-44DB-915C-48B21997DF01}" type="slidenum">
               <a:rPr lang="ru-RU" smtClean="0"/>
+              <a:pPr/>
               <a:t>‹#›</a:t>
             </a:fld>
             <a:endParaRPr lang="ru-RU"/>
@@ -2657,7 +2675,8 @@
           <a:p>
             <a:fld id="{254E287A-B980-4B71-860B-C34B5D2188CD}" type="datetimeFigureOut">
               <a:rPr lang="ru-RU" smtClean="0"/>
-              <a:t>19.06.2020</a:t>
+              <a:pPr/>
+              <a:t>22.06.2020</a:t>
             </a:fld>
             <a:endParaRPr lang="ru-RU"/>
           </a:p>
@@ -2696,6 +2715,7 @@
           <a:p>
             <a:fld id="{B53B4CA9-A027-44DB-915C-48B21997DF01}" type="slidenum">
               <a:rPr lang="ru-RU" smtClean="0"/>
+              <a:pPr/>
               <a:t>‹#›</a:t>
             </a:fld>
             <a:endParaRPr lang="ru-RU"/>
@@ -2954,7 +2974,8 @@
           <a:p>
             <a:fld id="{254E287A-B980-4B71-860B-C34B5D2188CD}" type="datetimeFigureOut">
               <a:rPr lang="ru-RU" smtClean="0"/>
-              <a:t>19.06.2020</a:t>
+              <a:pPr/>
+              <a:t>22.06.2020</a:t>
             </a:fld>
             <a:endParaRPr lang="ru-RU"/>
           </a:p>
@@ -2993,6 +3014,7 @@
           <a:p>
             <a:fld id="{B53B4CA9-A027-44DB-915C-48B21997DF01}" type="slidenum">
               <a:rPr lang="ru-RU" smtClean="0"/>
+              <a:pPr/>
               <a:t>‹#›</a:t>
             </a:fld>
             <a:endParaRPr lang="ru-RU"/>
@@ -3199,7 +3221,8 @@
           <a:p>
             <a:fld id="{254E287A-B980-4B71-860B-C34B5D2188CD}" type="datetimeFigureOut">
               <a:rPr lang="ru-RU" smtClean="0"/>
-              <a:t>19.06.2020</a:t>
+              <a:pPr/>
+              <a:t>22.06.2020</a:t>
             </a:fld>
             <a:endParaRPr lang="ru-RU"/>
           </a:p>
@@ -3242,6 +3265,7 @@
           <a:p>
             <a:fld id="{B53B4CA9-A027-44DB-915C-48B21997DF01}" type="slidenum">
               <a:rPr lang="ru-RU" smtClean="0"/>
+              <a:pPr/>
               <a:t>‹#›</a:t>
             </a:fld>
             <a:endParaRPr lang="ru-RU"/>
@@ -3728,7 +3752,7 @@
                 <a:latin typeface="Times New Roman" pitchFamily="18" charset="0"/>
                 <a:cs typeface="Times New Roman" pitchFamily="18" charset="0"/>
               </a:rPr>
-              <a:t>По дисциплине «МДК.01.02 Прикладное программирование»</a:t>
+              <a:t>По  «МДК.01.02 Прикладное программирование»</a:t>
             </a:r>
             <a:br>
               <a:rPr lang="ru-RU" sz="3200" dirty="0" smtClean="0">
@@ -3741,14 +3765,7 @@
                 <a:latin typeface="Times New Roman" pitchFamily="18" charset="0"/>
                 <a:cs typeface="Times New Roman" pitchFamily="18" charset="0"/>
               </a:rPr>
-              <a:t>Тема: «Разработка приложения </a:t>
-            </a:r>
-            <a:r>
-              <a:rPr lang="ru-RU" sz="3200" dirty="0" smtClean="0">
-                <a:latin typeface="Times New Roman" pitchFamily="18" charset="0"/>
-                <a:cs typeface="Times New Roman" pitchFamily="18" charset="0"/>
-              </a:rPr>
-              <a:t>“Ежедневник”»</a:t>
+              <a:t>Тема: «Разработка приложения «Ежедневник»»</a:t>
             </a:r>
             <a:endParaRPr lang="ru-RU" sz="3200" dirty="0">
               <a:latin typeface="Times New Roman" pitchFamily="18" charset="0"/>
@@ -3793,14 +3810,7 @@
                 <a:latin typeface="Times New Roman" pitchFamily="18" charset="0"/>
                 <a:cs typeface="Times New Roman" pitchFamily="18" charset="0"/>
               </a:rPr>
-              <a:t>Группы </a:t>
-            </a:r>
-            <a:r>
-              <a:rPr lang="ru-RU" sz="2800" dirty="0" smtClean="0">
-                <a:latin typeface="Times New Roman" pitchFamily="18" charset="0"/>
-                <a:cs typeface="Times New Roman" pitchFamily="18" charset="0"/>
-              </a:rPr>
-              <a:t>П1-17</a:t>
+              <a:t>Группы П1-17</a:t>
             </a:r>
           </a:p>
           <a:p>
@@ -4182,7 +4192,7 @@
         <p:spPr>
           <a:xfrm>
             <a:off x="1187624" y="1772816"/>
-            <a:ext cx="6840760" cy="4248472"/>
+            <a:ext cx="6912768" cy="4392488"/>
           </a:xfrm>
           <a:prstGeom prst="rect">
             <a:avLst/>
@@ -4270,7 +4280,7 @@
         <p:spPr>
           <a:xfrm>
             <a:off x="1403648" y="1844824"/>
-            <a:ext cx="6408712" cy="4176464"/>
+            <a:ext cx="6408712" cy="4320480"/>
           </a:xfrm>
           <a:prstGeom prst="rect">
             <a:avLst/>
@@ -4532,14 +4542,7 @@
                 <a:latin typeface="Times New Roman" pitchFamily="18" charset="0"/>
                 <a:cs typeface="Times New Roman" pitchFamily="18" charset="0"/>
               </a:rPr>
-              <a:t>Спасибо за </a:t>
-            </a:r>
-            <a:r>
-              <a:rPr lang="ru-RU" sz="5400" dirty="0" smtClean="0">
-                <a:latin typeface="Times New Roman" pitchFamily="18" charset="0"/>
-                <a:cs typeface="Times New Roman" pitchFamily="18" charset="0"/>
-              </a:rPr>
-              <a:t>внимание!</a:t>
+              <a:t>Спасибо за внимание!</a:t>
             </a:r>
             <a:endParaRPr lang="ru-RU" sz="5400" dirty="0">
               <a:latin typeface="Times New Roman" pitchFamily="18" charset="0"/>

--- a/Курсовая/Презентация.pptx
+++ b/Курсовая/Презентация.pptx
@@ -322,7 +322,7 @@
             <a:fld id="{254E287A-B980-4B71-860B-C34B5D2188CD}" type="datetimeFigureOut">
               <a:rPr lang="ru-RU" smtClean="0"/>
               <a:pPr/>
-              <a:t>22.06.2020</a:t>
+              <a:t>23.06.2020</a:t>
             </a:fld>
             <a:endParaRPr lang="ru-RU"/>
           </a:p>
@@ -518,7 +518,7 @@
             <a:fld id="{254E287A-B980-4B71-860B-C34B5D2188CD}" type="datetimeFigureOut">
               <a:rPr lang="ru-RU" smtClean="0"/>
               <a:pPr/>
-              <a:t>22.06.2020</a:t>
+              <a:t>23.06.2020</a:t>
             </a:fld>
             <a:endParaRPr lang="ru-RU"/>
           </a:p>
@@ -708,7 +708,7 @@
             <a:fld id="{254E287A-B980-4B71-860B-C34B5D2188CD}" type="datetimeFigureOut">
               <a:rPr lang="ru-RU" smtClean="0"/>
               <a:pPr/>
-              <a:t>22.06.2020</a:t>
+              <a:t>23.06.2020</a:t>
             </a:fld>
             <a:endParaRPr lang="ru-RU"/>
           </a:p>
@@ -939,7 +939,7 @@
             <a:fld id="{254E287A-B980-4B71-860B-C34B5D2188CD}" type="datetimeFigureOut">
               <a:rPr lang="ru-RU" smtClean="0"/>
               <a:pPr/>
-              <a:t>22.06.2020</a:t>
+              <a:t>23.06.2020</a:t>
             </a:fld>
             <a:endParaRPr lang="ru-RU"/>
           </a:p>
@@ -1222,7 +1222,7 @@
             <a:fld id="{254E287A-B980-4B71-860B-C34B5D2188CD}" type="datetimeFigureOut">
               <a:rPr lang="ru-RU" smtClean="0"/>
               <a:pPr/>
-              <a:t>22.06.2020</a:t>
+              <a:t>23.06.2020</a:t>
             </a:fld>
             <a:endParaRPr lang="ru-RU"/>
           </a:p>
@@ -1512,7 +1512,7 @@
             <a:fld id="{254E287A-B980-4B71-860B-C34B5D2188CD}" type="datetimeFigureOut">
               <a:rPr lang="ru-RU" smtClean="0"/>
               <a:pPr/>
-              <a:t>22.06.2020</a:t>
+              <a:t>23.06.2020</a:t>
             </a:fld>
             <a:endParaRPr lang="ru-RU"/>
           </a:p>
@@ -2068,7 +2068,7 @@
             <a:fld id="{254E287A-B980-4B71-860B-C34B5D2188CD}" type="datetimeFigureOut">
               <a:rPr lang="ru-RU" smtClean="0"/>
               <a:pPr/>
-              <a:t>22.06.2020</a:t>
+              <a:t>23.06.2020</a:t>
             </a:fld>
             <a:endParaRPr lang="ru-RU"/>
           </a:p>
@@ -2201,7 +2201,7 @@
             <a:fld id="{254E287A-B980-4B71-860B-C34B5D2188CD}" type="datetimeFigureOut">
               <a:rPr lang="ru-RU" smtClean="0"/>
               <a:pPr/>
-              <a:t>22.06.2020</a:t>
+              <a:t>23.06.2020</a:t>
             </a:fld>
             <a:endParaRPr lang="ru-RU"/>
           </a:p>
@@ -2353,7 +2353,7 @@
             <a:fld id="{254E287A-B980-4B71-860B-C34B5D2188CD}" type="datetimeFigureOut">
               <a:rPr lang="ru-RU" smtClean="0"/>
               <a:pPr/>
-              <a:t>22.06.2020</a:t>
+              <a:t>23.06.2020</a:t>
             </a:fld>
             <a:endParaRPr lang="ru-RU"/>
           </a:p>
@@ -2676,7 +2676,7 @@
             <a:fld id="{254E287A-B980-4B71-860B-C34B5D2188CD}" type="datetimeFigureOut">
               <a:rPr lang="ru-RU" smtClean="0"/>
               <a:pPr/>
-              <a:t>22.06.2020</a:t>
+              <a:t>23.06.2020</a:t>
             </a:fld>
             <a:endParaRPr lang="ru-RU"/>
           </a:p>
@@ -2975,7 +2975,7 @@
             <a:fld id="{254E287A-B980-4B71-860B-C34B5D2188CD}" type="datetimeFigureOut">
               <a:rPr lang="ru-RU" smtClean="0"/>
               <a:pPr/>
-              <a:t>22.06.2020</a:t>
+              <a:t>23.06.2020</a:t>
             </a:fld>
             <a:endParaRPr lang="ru-RU"/>
           </a:p>
@@ -3222,7 +3222,7 @@
             <a:fld id="{254E287A-B980-4B71-860B-C34B5D2188CD}" type="datetimeFigureOut">
               <a:rPr lang="ru-RU" smtClean="0"/>
               <a:pPr/>
-              <a:t>22.06.2020</a:t>
+              <a:t>23.06.2020</a:t>
             </a:fld>
             <a:endParaRPr lang="ru-RU"/>
           </a:p>
@@ -3919,28 +3919,28 @@
               </a:lnSpc>
             </a:pPr>
             <a:r>
-              <a:rPr lang="ru-RU" b="1" dirty="0" smtClean="0">
+              <a:rPr lang="ru-RU" sz="2800" b="1" dirty="0" smtClean="0">
                 <a:latin typeface="Times New Roman" pitchFamily="18" charset="0"/>
                 <a:cs typeface="Times New Roman" pitchFamily="18" charset="0"/>
               </a:rPr>
               <a:t>Язык программирования:</a:t>
             </a:r>
             <a:r>
-              <a:rPr lang="en-US" b="1" dirty="0" smtClean="0">
+              <a:rPr lang="en-US" sz="2800" b="1" dirty="0" smtClean="0">
                 <a:latin typeface="Times New Roman" pitchFamily="18" charset="0"/>
                 <a:cs typeface="Times New Roman" pitchFamily="18" charset="0"/>
               </a:rPr>
               <a:t> </a:t>
             </a:r>
             <a:r>
-              <a:rPr lang="en-US" dirty="0" smtClean="0">
+              <a:rPr lang="en-US" sz="2800" dirty="0" smtClean="0">
                 <a:latin typeface="Times New Roman" pitchFamily="18" charset="0"/>
                 <a:cs typeface="Times New Roman" pitchFamily="18" charset="0"/>
               </a:rPr>
               <a:t>Object Pascal</a:t>
             </a:r>
             <a:r>
-              <a:rPr lang="ru-RU" dirty="0" smtClean="0">
+              <a:rPr lang="ru-RU" sz="2800" dirty="0" smtClean="0">
                 <a:latin typeface="Times New Roman" pitchFamily="18" charset="0"/>
                 <a:cs typeface="Times New Roman" pitchFamily="18" charset="0"/>
               </a:rPr>
@@ -3954,27 +3954,27 @@
               </a:lnSpc>
             </a:pPr>
             <a:r>
-              <a:rPr lang="ru-RU" b="1" dirty="0" smtClean="0">
+              <a:rPr lang="ru-RU" sz="2800" b="1" dirty="0" smtClean="0">
                 <a:latin typeface="Times New Roman" pitchFamily="18" charset="0"/>
                 <a:cs typeface="Times New Roman" pitchFamily="18" charset="0"/>
               </a:rPr>
               <a:t>Среда разработки</a:t>
             </a:r>
             <a:r>
-              <a:rPr lang="en-US" b="1" dirty="0" smtClean="0">
+              <a:rPr lang="en-US" sz="2800" b="1" dirty="0" smtClean="0">
                 <a:latin typeface="Times New Roman" pitchFamily="18" charset="0"/>
                 <a:cs typeface="Times New Roman" pitchFamily="18" charset="0"/>
               </a:rPr>
               <a:t>: </a:t>
             </a:r>
             <a:r>
-              <a:rPr lang="en-US" dirty="0" smtClean="0">
+              <a:rPr lang="en-US" sz="2800" dirty="0" smtClean="0">
                 <a:latin typeface="Times New Roman" pitchFamily="18" charset="0"/>
                 <a:cs typeface="Times New Roman" pitchFamily="18" charset="0"/>
               </a:rPr>
               <a:t>Lazarus</a:t>
             </a:r>
-            <a:endParaRPr lang="ru-RU" dirty="0" smtClean="0">
+            <a:endParaRPr lang="ru-RU" sz="2800" dirty="0" smtClean="0">
               <a:latin typeface="Times New Roman" pitchFamily="18" charset="0"/>
               <a:cs typeface="Times New Roman" pitchFamily="18" charset="0"/>
             </a:endParaRPr>
@@ -3986,27 +3986,27 @@
               </a:lnSpc>
             </a:pPr>
             <a:r>
-              <a:rPr lang="ru-RU" b="1" dirty="0" smtClean="0">
+              <a:rPr lang="ru-RU" sz="2800" b="1" dirty="0" smtClean="0">
                 <a:latin typeface="Times New Roman" pitchFamily="18" charset="0"/>
                 <a:cs typeface="Times New Roman" pitchFamily="18" charset="0"/>
               </a:rPr>
               <a:t>Система управления базами данных</a:t>
             </a:r>
             <a:r>
-              <a:rPr lang="en-US" b="1" dirty="0" smtClean="0">
+              <a:rPr lang="en-US" sz="2800" b="1" dirty="0" smtClean="0">
                 <a:latin typeface="Times New Roman" pitchFamily="18" charset="0"/>
                 <a:cs typeface="Times New Roman" pitchFamily="18" charset="0"/>
               </a:rPr>
               <a:t>: </a:t>
             </a:r>
             <a:r>
-              <a:rPr lang="en-US" dirty="0" err="1" smtClean="0">
+              <a:rPr lang="en-US" sz="2800" dirty="0" err="1" smtClean="0">
                 <a:latin typeface="Times New Roman" pitchFamily="18" charset="0"/>
                 <a:cs typeface="Times New Roman" pitchFamily="18" charset="0"/>
               </a:rPr>
               <a:t>FireBird</a:t>
             </a:r>
-            <a:endParaRPr lang="en-US" dirty="0" smtClean="0">
+            <a:endParaRPr lang="en-US" sz="2800" dirty="0" smtClean="0">
               <a:latin typeface="Times New Roman" pitchFamily="18" charset="0"/>
               <a:cs typeface="Times New Roman" pitchFamily="18" charset="0"/>
             </a:endParaRPr>
@@ -4019,6 +4019,100 @@
           </a:p>
         </p:txBody>
       </p:sp>
+      <p:pic>
+        <p:nvPicPr>
+          <p:cNvPr id="5" name="Picture 2" descr="Lazarus cкачать на Windows бесплатно">
+            <a:extLst>
+              <a:ext uri="{FF2B5EF4-FFF2-40B4-BE49-F238E27FC236}">
+                <a16:creationId xmlns:a16="http://schemas.microsoft.com/office/drawing/2014/main" xmlns="" id="{0C28953C-E794-4717-8C80-166489CAB8F8}"/>
+              </a:ext>
+            </a:extLst>
+          </p:cNvPr>
+          <p:cNvPicPr>
+            <a:picLocks noChangeAspect="1" noChangeArrowheads="1"/>
+          </p:cNvPicPr>
+          <p:nvPr/>
+        </p:nvPicPr>
+        <p:blipFill>
+          <a:blip r:embed="rId2" cstate="print">
+            <a:extLst>
+              <a:ext uri="{28A0092B-C50C-407E-A947-70E740481C1C}">
+                <a14:useLocalDpi xmlns:a14="http://schemas.microsoft.com/office/drawing/2010/main" xmlns="" val="0"/>
+              </a:ext>
+            </a:extLst>
+          </a:blip>
+          <a:srcRect/>
+          <a:stretch>
+            <a:fillRect/>
+          </a:stretch>
+        </p:blipFill>
+        <p:spPr bwMode="auto">
+          <a:xfrm>
+            <a:off x="1403648" y="3933056"/>
+            <a:ext cx="2597458" cy="2597458"/>
+          </a:xfrm>
+          <a:prstGeom prst="rect">
+            <a:avLst/>
+          </a:prstGeom>
+          <a:noFill/>
+          <a:extLst>
+            <a:ext uri="{909E8E84-426E-40DD-AFC4-6F175D3DCCD1}">
+              <a14:hiddenFill xmlns:a14="http://schemas.microsoft.com/office/drawing/2010/main" xmlns="">
+                <a:solidFill>
+                  <a:srgbClr val="FFFFFF"/>
+                </a:solidFill>
+              </a14:hiddenFill>
+            </a:ext>
+          </a:extLst>
+        </p:spPr>
+      </p:pic>
+      <p:pic>
+        <p:nvPicPr>
+          <p:cNvPr id="6" name="Picture 4" descr="Firebird - скачать бесплатно Firebird 2.5.7">
+            <a:extLst>
+              <a:ext uri="{FF2B5EF4-FFF2-40B4-BE49-F238E27FC236}">
+                <a16:creationId xmlns:a16="http://schemas.microsoft.com/office/drawing/2014/main" xmlns="" id="{9184C97E-0617-4024-9552-A1BD37B7278F}"/>
+              </a:ext>
+            </a:extLst>
+          </p:cNvPr>
+          <p:cNvPicPr>
+            <a:picLocks noChangeAspect="1" noChangeArrowheads="1"/>
+          </p:cNvPicPr>
+          <p:nvPr/>
+        </p:nvPicPr>
+        <p:blipFill>
+          <a:blip r:embed="rId3" cstate="print">
+            <a:extLst>
+              <a:ext uri="{28A0092B-C50C-407E-A947-70E740481C1C}">
+                <a14:useLocalDpi xmlns:a14="http://schemas.microsoft.com/office/drawing/2010/main" xmlns="" val="0"/>
+              </a:ext>
+            </a:extLst>
+          </a:blip>
+          <a:srcRect/>
+          <a:stretch>
+            <a:fillRect/>
+          </a:stretch>
+        </p:blipFill>
+        <p:spPr bwMode="auto">
+          <a:xfrm>
+            <a:off x="4932040" y="3933056"/>
+            <a:ext cx="2597458" cy="2597458"/>
+          </a:xfrm>
+          <a:prstGeom prst="rect">
+            <a:avLst/>
+          </a:prstGeom>
+          <a:noFill/>
+          <a:extLst>
+            <a:ext uri="{909E8E84-426E-40DD-AFC4-6F175D3DCCD1}">
+              <a14:hiddenFill xmlns:a14="http://schemas.microsoft.com/office/drawing/2010/main" xmlns="">
+                <a:solidFill>
+                  <a:srgbClr val="FFFFFF"/>
+                </a:solidFill>
+              </a14:hiddenFill>
+            </a:ext>
+          </a:extLst>
+        </p:spPr>
+      </p:pic>
     </p:spTree>
   </p:cSld>
   <p:clrMapOvr>

--- a/Курсовая/Презентация.pptx
+++ b/Курсовая/Презентация.pptx
@@ -3748,11 +3748,32 @@
               </a:rPr>
             </a:br>
             <a:r>
+              <a:rPr lang="ru-RU" sz="3200" smtClean="0">
+                <a:latin typeface="Times New Roman" pitchFamily="18" charset="0"/>
+                <a:cs typeface="Times New Roman" pitchFamily="18" charset="0"/>
+              </a:rPr>
+              <a:t>По </a:t>
+            </a:r>
+            <a:r>
+              <a:rPr lang="ru-RU" sz="3200" smtClean="0">
+                <a:latin typeface="Times New Roman" pitchFamily="18" charset="0"/>
+                <a:cs typeface="Times New Roman" pitchFamily="18" charset="0"/>
+              </a:rPr>
+              <a:t> МДК.01.02 </a:t>
+            </a:r>
+            <a:r>
               <a:rPr lang="ru-RU" sz="3200" dirty="0" smtClean="0">
                 <a:latin typeface="Times New Roman" pitchFamily="18" charset="0"/>
                 <a:cs typeface="Times New Roman" pitchFamily="18" charset="0"/>
               </a:rPr>
-              <a:t>По  «МДК.01.02 Прикладное программирование»</a:t>
+              <a:t>« </a:t>
+            </a:r>
+            <a:r>
+              <a:rPr lang="ru-RU" sz="3200" dirty="0" smtClean="0">
+                <a:latin typeface="Times New Roman" pitchFamily="18" charset="0"/>
+                <a:cs typeface="Times New Roman" pitchFamily="18" charset="0"/>
+              </a:rPr>
+              <a:t>Прикладное программирование»</a:t>
             </a:r>
             <a:br>
               <a:rPr lang="ru-RU" sz="3200" dirty="0" smtClean="0">
@@ -4024,7 +4045,7 @@
           <p:cNvPr id="5" name="Picture 2" descr="Lazarus cкачать на Windows бесплатно">
             <a:extLst>
               <a:ext uri="{FF2B5EF4-FFF2-40B4-BE49-F238E27FC236}">
-                <a16:creationId xmlns:a16="http://schemas.microsoft.com/office/drawing/2014/main" xmlns="" id="{0C28953C-E794-4717-8C80-166489CAB8F8}"/>
+                <a16:creationId xmlns="" xmlns:a16="http://schemas.microsoft.com/office/drawing/2014/main" id="{0C28953C-E794-4717-8C80-166489CAB8F8}"/>
               </a:ext>
             </a:extLst>
           </p:cNvPr>
@@ -4037,7 +4058,7 @@
           <a:blip r:embed="rId2" cstate="print">
             <a:extLst>
               <a:ext uri="{28A0092B-C50C-407E-A947-70E740481C1C}">
-                <a14:useLocalDpi xmlns:a14="http://schemas.microsoft.com/office/drawing/2010/main" xmlns="" val="0"/>
+                <a14:useLocalDpi xmlns="" xmlns:a14="http://schemas.microsoft.com/office/drawing/2010/main" val="0"/>
               </a:ext>
             </a:extLst>
           </a:blip>
@@ -4057,7 +4078,7 @@
           <a:noFill/>
           <a:extLst>
             <a:ext uri="{909E8E84-426E-40DD-AFC4-6F175D3DCCD1}">
-              <a14:hiddenFill xmlns:a14="http://schemas.microsoft.com/office/drawing/2010/main" xmlns="">
+              <a14:hiddenFill xmlns="" xmlns:a14="http://schemas.microsoft.com/office/drawing/2010/main">
                 <a:solidFill>
                   <a:srgbClr val="FFFFFF"/>
                 </a:solidFill>
@@ -4071,7 +4092,7 @@
           <p:cNvPr id="6" name="Picture 4" descr="Firebird - скачать бесплатно Firebird 2.5.7">
             <a:extLst>
               <a:ext uri="{FF2B5EF4-FFF2-40B4-BE49-F238E27FC236}">
-                <a16:creationId xmlns:a16="http://schemas.microsoft.com/office/drawing/2014/main" xmlns="" id="{9184C97E-0617-4024-9552-A1BD37B7278F}"/>
+                <a16:creationId xmlns="" xmlns:a16="http://schemas.microsoft.com/office/drawing/2014/main" id="{9184C97E-0617-4024-9552-A1BD37B7278F}"/>
               </a:ext>
             </a:extLst>
           </p:cNvPr>
@@ -4084,7 +4105,7 @@
           <a:blip r:embed="rId3" cstate="print">
             <a:extLst>
               <a:ext uri="{28A0092B-C50C-407E-A947-70E740481C1C}">
-                <a14:useLocalDpi xmlns:a14="http://schemas.microsoft.com/office/drawing/2010/main" xmlns="" val="0"/>
+                <a14:useLocalDpi xmlns="" xmlns:a14="http://schemas.microsoft.com/office/drawing/2010/main" val="0"/>
               </a:ext>
             </a:extLst>
           </a:blip>
@@ -4104,7 +4125,7 @@
           <a:noFill/>
           <a:extLst>
             <a:ext uri="{909E8E84-426E-40DD-AFC4-6F175D3DCCD1}">
-              <a14:hiddenFill xmlns:a14="http://schemas.microsoft.com/office/drawing/2010/main" xmlns="">
+              <a14:hiddenFill xmlns="" xmlns:a14="http://schemas.microsoft.com/office/drawing/2010/main">
                 <a:solidFill>
                   <a:srgbClr val="FFFFFF"/>
                 </a:solidFill>
